--- a/Programacion web extendido/PW_Sesion16.pptx
+++ b/Programacion web extendido/PW_Sesion16.pptx
@@ -228,7 +228,7 @@
           <a:p>
             <a:fld id="{7FF7D7FF-DDC7-474C-8526-899954A31AD1}" type="datetimeFigureOut">
               <a:rPr lang="es-EC" smtClean="0"/>
-              <a:t>1/9/2024</a:t>
+              <a:t>29/9/2024</a:t>
             </a:fld>
             <a:endParaRPr lang="es-EC"/>
           </a:p>
@@ -405,7 +405,7 @@
           <a:p>
             <a:fld id="{A266080D-5226-48DF-A08B-67FADEB85FAB}" type="datetimeFigureOut">
               <a:rPr lang="es-419" smtClean="0"/>
-              <a:t>1/9/2024</a:t>
+              <a:t>29/9/2024</a:t>
             </a:fld>
             <a:endParaRPr lang="es-419"/>
           </a:p>
@@ -804,7 +804,7 @@
           <a:p>
             <a:fld id="{8FEB83C7-CE7D-EE43-931B-A983B2AE7CF3}" type="datetimeFigureOut">
               <a:rPr lang="es-EC" smtClean="0"/>
-              <a:t>1/9/2024</a:t>
+              <a:t>29/9/2024</a:t>
             </a:fld>
             <a:endParaRPr lang="es-EC"/>
           </a:p>
@@ -974,7 +974,7 @@
           <a:p>
             <a:fld id="{8FEB83C7-CE7D-EE43-931B-A983B2AE7CF3}" type="datetimeFigureOut">
               <a:rPr lang="es-EC" smtClean="0"/>
-              <a:t>1/9/2024</a:t>
+              <a:t>29/9/2024</a:t>
             </a:fld>
             <a:endParaRPr lang="es-EC"/>
           </a:p>
@@ -1154,7 +1154,7 @@
           <a:p>
             <a:fld id="{8FEB83C7-CE7D-EE43-931B-A983B2AE7CF3}" type="datetimeFigureOut">
               <a:rPr lang="es-EC" smtClean="0"/>
-              <a:t>1/9/2024</a:t>
+              <a:t>29/9/2024</a:t>
             </a:fld>
             <a:endParaRPr lang="es-EC"/>
           </a:p>
@@ -1533,7 +1533,7 @@
           <a:p>
             <a:fld id="{1D8BD707-D9CF-40AE-B4C6-C98DA3205C09}" type="datetimeFigureOut">
               <a:rPr lang="en-US"/>
-              <a:t>9/1/2024</a:t>
+              <a:t>9/29/2024</a:t>
             </a:fld>
             <a:endParaRPr lang="en-US"/>
           </a:p>
@@ -1914,7 +1914,7 @@
           <a:p>
             <a:fld id="{8FEB83C7-CE7D-EE43-931B-A983B2AE7CF3}" type="datetimeFigureOut">
               <a:rPr lang="es-EC" smtClean="0"/>
-              <a:t>1/9/2024</a:t>
+              <a:t>29/9/2024</a:t>
             </a:fld>
             <a:endParaRPr lang="es-EC"/>
           </a:p>
@@ -2160,7 +2160,7 @@
           <a:p>
             <a:fld id="{8FEB83C7-CE7D-EE43-931B-A983B2AE7CF3}" type="datetimeFigureOut">
               <a:rPr lang="es-EC" smtClean="0"/>
-              <a:t>1/9/2024</a:t>
+              <a:t>29/9/2024</a:t>
             </a:fld>
             <a:endParaRPr lang="es-EC"/>
           </a:p>
@@ -2392,7 +2392,7 @@
           <a:p>
             <a:fld id="{8FEB83C7-CE7D-EE43-931B-A983B2AE7CF3}" type="datetimeFigureOut">
               <a:rPr lang="es-EC" smtClean="0"/>
-              <a:t>1/9/2024</a:t>
+              <a:t>29/9/2024</a:t>
             </a:fld>
             <a:endParaRPr lang="es-EC"/>
           </a:p>
@@ -2759,7 +2759,7 @@
           <a:p>
             <a:fld id="{8FEB83C7-CE7D-EE43-931B-A983B2AE7CF3}" type="datetimeFigureOut">
               <a:rPr lang="es-EC" smtClean="0"/>
-              <a:t>1/9/2024</a:t>
+              <a:t>29/9/2024</a:t>
             </a:fld>
             <a:endParaRPr lang="es-EC"/>
           </a:p>
@@ -2877,7 +2877,7 @@
           <a:p>
             <a:fld id="{8FEB83C7-CE7D-EE43-931B-A983B2AE7CF3}" type="datetimeFigureOut">
               <a:rPr lang="es-EC" smtClean="0"/>
-              <a:t>1/9/2024</a:t>
+              <a:t>29/9/2024</a:t>
             </a:fld>
             <a:endParaRPr lang="es-EC"/>
           </a:p>
@@ -2972,7 +2972,7 @@
           <a:p>
             <a:fld id="{8FEB83C7-CE7D-EE43-931B-A983B2AE7CF3}" type="datetimeFigureOut">
               <a:rPr lang="es-EC" smtClean="0"/>
-              <a:t>1/9/2024</a:t>
+              <a:t>29/9/2024</a:t>
             </a:fld>
             <a:endParaRPr lang="es-EC"/>
           </a:p>
@@ -3249,7 +3249,7 @@
           <a:p>
             <a:fld id="{8FEB83C7-CE7D-EE43-931B-A983B2AE7CF3}" type="datetimeFigureOut">
               <a:rPr lang="es-EC" smtClean="0"/>
-              <a:t>1/9/2024</a:t>
+              <a:t>29/9/2024</a:t>
             </a:fld>
             <a:endParaRPr lang="es-EC"/>
           </a:p>
@@ -3506,7 +3506,7 @@
           <a:p>
             <a:fld id="{8FEB83C7-CE7D-EE43-931B-A983B2AE7CF3}" type="datetimeFigureOut">
               <a:rPr lang="es-EC" smtClean="0"/>
-              <a:t>1/9/2024</a:t>
+              <a:t>29/9/2024</a:t>
             </a:fld>
             <a:endParaRPr lang="es-EC"/>
           </a:p>
@@ -3719,7 +3719,7 @@
           <a:p>
             <a:fld id="{8FEB83C7-CE7D-EE43-931B-A983B2AE7CF3}" type="datetimeFigureOut">
               <a:rPr lang="es-EC" smtClean="0"/>
-              <a:t>1/9/2024</a:t>
+              <a:t>29/9/2024</a:t>
             </a:fld>
             <a:endParaRPr lang="es-EC"/>
           </a:p>
@@ -4256,7 +4256,7 @@
           <a:p>
             <a:fld id="{8FEB83C7-CE7D-EE43-931B-A983B2AE7CF3}" type="datetimeFigureOut">
               <a:rPr lang="es-EC" smtClean="0"/>
-              <a:t>1/9/2024</a:t>
+              <a:t>29/9/2024</a:t>
             </a:fld>
             <a:endParaRPr lang="es-EC"/>
           </a:p>
@@ -4715,8 +4715,8 @@
         </p:nvSpPr>
         <p:spPr>
           <a:xfrm>
-            <a:off x="7566241" y="5134180"/>
-            <a:ext cx="4409027" cy="646331"/>
+            <a:off x="7786356" y="4658135"/>
+            <a:ext cx="3638077" cy="923330"/>
           </a:xfrm>
           <a:prstGeom prst="rect">
             <a:avLst/>
@@ -4724,25 +4724,23 @@
           <a:noFill/>
         </p:spPr>
         <p:txBody>
-          <a:bodyPr wrap="none" rtlCol="0">
+          <a:bodyPr wrap="square" rtlCol="0">
             <a:spAutoFit/>
           </a:bodyPr>
           <a:lstStyle/>
           <a:p>
+            <a:pPr algn="ctr"/>
             <a:r>
               <a:rPr lang="es-419"/>
-              <a:t>Sesión 17: </a:t>
-            </a:r>
-            <a:r>
-              <a:rPr lang="es-419" dirty="0"/>
-              <a:t>Lenguaje de programación Python</a:t>
-            </a:r>
+              <a:t>Sesión 16: </a:t>
+            </a:r>
+            <a:endParaRPr lang="es-419" dirty="0"/>
           </a:p>
           <a:p>
             <a:pPr algn="ctr"/>
             <a:r>
               <a:rPr lang="es-419" dirty="0"/>
-              <a:t>para páginas web </a:t>
+              <a:t>Sintaxis y semántica de un lenguaje de programación</a:t>
             </a:r>
           </a:p>
         </p:txBody>

--- a/Programacion web extendido/PW_Sesion16.pptx
+++ b/Programacion web extendido/PW_Sesion16.pptx
@@ -228,7 +228,7 @@
           <a:p>
             <a:fld id="{7FF7D7FF-DDC7-474C-8526-899954A31AD1}" type="datetimeFigureOut">
               <a:rPr lang="es-EC" smtClean="0"/>
-              <a:t>29/9/2024</a:t>
+              <a:t>8/1/2025</a:t>
             </a:fld>
             <a:endParaRPr lang="es-EC"/>
           </a:p>
@@ -405,7 +405,7 @@
           <a:p>
             <a:fld id="{A266080D-5226-48DF-A08B-67FADEB85FAB}" type="datetimeFigureOut">
               <a:rPr lang="es-419" smtClean="0"/>
-              <a:t>29/9/2024</a:t>
+              <a:t>8/1/2025</a:t>
             </a:fld>
             <a:endParaRPr lang="es-419"/>
           </a:p>
@@ -804,7 +804,7 @@
           <a:p>
             <a:fld id="{8FEB83C7-CE7D-EE43-931B-A983B2AE7CF3}" type="datetimeFigureOut">
               <a:rPr lang="es-EC" smtClean="0"/>
-              <a:t>29/9/2024</a:t>
+              <a:t>8/1/2025</a:t>
             </a:fld>
             <a:endParaRPr lang="es-EC"/>
           </a:p>
@@ -974,7 +974,7 @@
           <a:p>
             <a:fld id="{8FEB83C7-CE7D-EE43-931B-A983B2AE7CF3}" type="datetimeFigureOut">
               <a:rPr lang="es-EC" smtClean="0"/>
-              <a:t>29/9/2024</a:t>
+              <a:t>8/1/2025</a:t>
             </a:fld>
             <a:endParaRPr lang="es-EC"/>
           </a:p>
@@ -1154,7 +1154,7 @@
           <a:p>
             <a:fld id="{8FEB83C7-CE7D-EE43-931B-A983B2AE7CF3}" type="datetimeFigureOut">
               <a:rPr lang="es-EC" smtClean="0"/>
-              <a:t>29/9/2024</a:t>
+              <a:t>8/1/2025</a:t>
             </a:fld>
             <a:endParaRPr lang="es-EC"/>
           </a:p>
@@ -1533,7 +1533,7 @@
           <a:p>
             <a:fld id="{1D8BD707-D9CF-40AE-B4C6-C98DA3205C09}" type="datetimeFigureOut">
               <a:rPr lang="en-US"/>
-              <a:t>9/29/2024</a:t>
+              <a:t>1/8/2025</a:t>
             </a:fld>
             <a:endParaRPr lang="en-US"/>
           </a:p>
@@ -1914,7 +1914,7 @@
           <a:p>
             <a:fld id="{8FEB83C7-CE7D-EE43-931B-A983B2AE7CF3}" type="datetimeFigureOut">
               <a:rPr lang="es-EC" smtClean="0"/>
-              <a:t>29/9/2024</a:t>
+              <a:t>8/1/2025</a:t>
             </a:fld>
             <a:endParaRPr lang="es-EC"/>
           </a:p>
@@ -2160,7 +2160,7 @@
           <a:p>
             <a:fld id="{8FEB83C7-CE7D-EE43-931B-A983B2AE7CF3}" type="datetimeFigureOut">
               <a:rPr lang="es-EC" smtClean="0"/>
-              <a:t>29/9/2024</a:t>
+              <a:t>8/1/2025</a:t>
             </a:fld>
             <a:endParaRPr lang="es-EC"/>
           </a:p>
@@ -2392,7 +2392,7 @@
           <a:p>
             <a:fld id="{8FEB83C7-CE7D-EE43-931B-A983B2AE7CF3}" type="datetimeFigureOut">
               <a:rPr lang="es-EC" smtClean="0"/>
-              <a:t>29/9/2024</a:t>
+              <a:t>8/1/2025</a:t>
             </a:fld>
             <a:endParaRPr lang="es-EC"/>
           </a:p>
@@ -2759,7 +2759,7 @@
           <a:p>
             <a:fld id="{8FEB83C7-CE7D-EE43-931B-A983B2AE7CF3}" type="datetimeFigureOut">
               <a:rPr lang="es-EC" smtClean="0"/>
-              <a:t>29/9/2024</a:t>
+              <a:t>8/1/2025</a:t>
             </a:fld>
             <a:endParaRPr lang="es-EC"/>
           </a:p>
@@ -2877,7 +2877,7 @@
           <a:p>
             <a:fld id="{8FEB83C7-CE7D-EE43-931B-A983B2AE7CF3}" type="datetimeFigureOut">
               <a:rPr lang="es-EC" smtClean="0"/>
-              <a:t>29/9/2024</a:t>
+              <a:t>8/1/2025</a:t>
             </a:fld>
             <a:endParaRPr lang="es-EC"/>
           </a:p>
@@ -2972,7 +2972,7 @@
           <a:p>
             <a:fld id="{8FEB83C7-CE7D-EE43-931B-A983B2AE7CF3}" type="datetimeFigureOut">
               <a:rPr lang="es-EC" smtClean="0"/>
-              <a:t>29/9/2024</a:t>
+              <a:t>8/1/2025</a:t>
             </a:fld>
             <a:endParaRPr lang="es-EC"/>
           </a:p>
@@ -3249,7 +3249,7 @@
           <a:p>
             <a:fld id="{8FEB83C7-CE7D-EE43-931B-A983B2AE7CF3}" type="datetimeFigureOut">
               <a:rPr lang="es-EC" smtClean="0"/>
-              <a:t>29/9/2024</a:t>
+              <a:t>8/1/2025</a:t>
             </a:fld>
             <a:endParaRPr lang="es-EC"/>
           </a:p>
@@ -3506,7 +3506,7 @@
           <a:p>
             <a:fld id="{8FEB83C7-CE7D-EE43-931B-A983B2AE7CF3}" type="datetimeFigureOut">
               <a:rPr lang="es-EC" smtClean="0"/>
-              <a:t>29/9/2024</a:t>
+              <a:t>8/1/2025</a:t>
             </a:fld>
             <a:endParaRPr lang="es-EC"/>
           </a:p>
@@ -3719,7 +3719,7 @@
           <a:p>
             <a:fld id="{8FEB83C7-CE7D-EE43-931B-A983B2AE7CF3}" type="datetimeFigureOut">
               <a:rPr lang="es-EC" smtClean="0"/>
-              <a:t>29/9/2024</a:t>
+              <a:t>8/1/2025</a:t>
             </a:fld>
             <a:endParaRPr lang="es-EC"/>
           </a:p>
@@ -4256,7 +4256,7 @@
           <a:p>
             <a:fld id="{8FEB83C7-CE7D-EE43-931B-A983B2AE7CF3}" type="datetimeFigureOut">
               <a:rPr lang="es-EC" smtClean="0"/>
-              <a:t>29/9/2024</a:t>
+              <a:t>8/1/2025</a:t>
             </a:fld>
             <a:endParaRPr lang="es-EC"/>
           </a:p>
@@ -4731,10 +4731,9 @@
           <a:p>
             <a:pPr algn="ctr"/>
             <a:r>
-              <a:rPr lang="es-419"/>
+              <a:rPr lang="es-419" b="1" dirty="0"/>
               <a:t>Sesión 16: </a:t>
             </a:r>
-            <a:endParaRPr lang="es-419" dirty="0"/>
           </a:p>
           <a:p>
             <a:pPr algn="ctr"/>
